--- a/노트/9_etc/2_애플리케이션테스트수행.pptx
+++ b/노트/9_etc/2_애플리케이션테스트수행.pptx
@@ -7,6 +7,9 @@
   <p:notesMasterIdLst>
     <p:notesMasterId r:id="rId18"/>
   </p:notesMasterIdLst>
+  <p:handoutMasterIdLst>
+    <p:handoutMasterId r:id="rId19"/>
+  </p:handoutMasterIdLst>
   <p:sldIdLst>
     <p:sldId id="256" r:id="rId2"/>
     <p:sldId id="259" r:id="rId3"/>
@@ -26,7 +29,7 @@
     <p:sldId id="297" r:id="rId17"/>
   </p:sldIdLst>
   <p:sldSz cx="9144000" cy="6858000" type="screen4x3"/>
-  <p:notesSz cx="6858000" cy="9144000"/>
+  <p:notesSz cx="9866313" cy="6735763"/>
   <p:defaultTextStyle>
     <a:defPPr>
       <a:defRPr lang="ko-KR"/>
@@ -141,6 +144,171 @@
 </p:presentation>
 </file>
 
+<file path=ppt/handoutMasters/handoutMaster1.xml><?xml version="1.0" encoding="utf-8"?>
+<p:handoutMaster xmlns:a="http://schemas.openxmlformats.org/drawingml/2006/main" xmlns:r="http://schemas.openxmlformats.org/officeDocument/2006/relationships" xmlns:p="http://schemas.openxmlformats.org/presentationml/2006/main">
+  <p:cSld>
+    <p:bg>
+      <p:bgRef idx="1001">
+        <a:schemeClr val="bg1"/>
+      </p:bgRef>
+    </p:bg>
+    <p:spTree>
+      <p:nvGrpSpPr>
+        <p:cNvPr id="1" name=""/>
+        <p:cNvGrpSpPr/>
+        <p:nvPr/>
+      </p:nvGrpSpPr>
+      <p:grpSpPr>
+        <a:xfrm>
+          <a:off x="0" y="0"/>
+          <a:ext cx="0" cy="0"/>
+          <a:chOff x="0" y="0"/>
+          <a:chExt cx="0" cy="0"/>
+        </a:xfrm>
+      </p:grpSpPr>
+      <p:sp>
+        <p:nvSpPr>
+          <p:cNvPr id="2" name="머리글 개체 틀 1"/>
+          <p:cNvSpPr>
+            <a:spLocks noGrp="1"/>
+          </p:cNvSpPr>
+          <p:nvPr>
+            <p:ph type="hdr" sz="quarter"/>
+          </p:nvPr>
+        </p:nvSpPr>
+        <p:spPr>
+          <a:xfrm>
+            <a:off x="0" y="0"/>
+            <a:ext cx="4275402" cy="337958"/>
+          </a:xfrm>
+          <a:prstGeom prst="rect">
+            <a:avLst/>
+          </a:prstGeom>
+        </p:spPr>
+        <p:txBody>
+          <a:bodyPr vert="horz" lIns="91440" tIns="45720" rIns="91440" bIns="45720" rtlCol="0"/>
+          <a:lstStyle>
+            <a:lvl1pPr algn="l">
+              <a:defRPr sz="1200"/>
+            </a:lvl1pPr>
+          </a:lstStyle>
+          <a:p>
+            <a:endParaRPr lang="ko-KR" altLang="en-US"/>
+          </a:p>
+        </p:txBody>
+      </p:sp>
+      <p:sp>
+        <p:nvSpPr>
+          <p:cNvPr id="3" name="날짜 개체 틀 2"/>
+          <p:cNvSpPr>
+            <a:spLocks noGrp="1"/>
+          </p:cNvSpPr>
+          <p:nvPr>
+            <p:ph type="dt" sz="quarter" idx="1"/>
+          </p:nvPr>
+        </p:nvSpPr>
+        <p:spPr>
+          <a:xfrm>
+            <a:off x="5588628" y="0"/>
+            <a:ext cx="4275402" cy="337958"/>
+          </a:xfrm>
+          <a:prstGeom prst="rect">
+            <a:avLst/>
+          </a:prstGeom>
+        </p:spPr>
+        <p:txBody>
+          <a:bodyPr vert="horz" lIns="91440" tIns="45720" rIns="91440" bIns="45720" rtlCol="0"/>
+          <a:lstStyle>
+            <a:lvl1pPr algn="r">
+              <a:defRPr sz="1200"/>
+            </a:lvl1pPr>
+          </a:lstStyle>
+          <a:p>
+            <a:fld id="{013BFD8F-F0E8-4C4E-824F-C3A7DCB26B90}" type="datetimeFigureOut">
+              <a:rPr lang="ko-KR" altLang="en-US" smtClean="0"/>
+              <a:t>2020-03-19</a:t>
+            </a:fld>
+            <a:endParaRPr lang="ko-KR" altLang="en-US"/>
+          </a:p>
+        </p:txBody>
+      </p:sp>
+      <p:sp>
+        <p:nvSpPr>
+          <p:cNvPr id="4" name="바닥글 개체 틀 3"/>
+          <p:cNvSpPr>
+            <a:spLocks noGrp="1"/>
+          </p:cNvSpPr>
+          <p:nvPr>
+            <p:ph type="ftr" sz="quarter" idx="2"/>
+          </p:nvPr>
+        </p:nvSpPr>
+        <p:spPr>
+          <a:xfrm>
+            <a:off x="0" y="6397806"/>
+            <a:ext cx="4275402" cy="337957"/>
+          </a:xfrm>
+          <a:prstGeom prst="rect">
+            <a:avLst/>
+          </a:prstGeom>
+        </p:spPr>
+        <p:txBody>
+          <a:bodyPr vert="horz" lIns="91440" tIns="45720" rIns="91440" bIns="45720" rtlCol="0" anchor="b"/>
+          <a:lstStyle>
+            <a:lvl1pPr algn="l">
+              <a:defRPr sz="1200"/>
+            </a:lvl1pPr>
+          </a:lstStyle>
+          <a:p>
+            <a:endParaRPr lang="ko-KR" altLang="en-US"/>
+          </a:p>
+        </p:txBody>
+      </p:sp>
+      <p:sp>
+        <p:nvSpPr>
+          <p:cNvPr id="5" name="슬라이드 번호 개체 틀 4"/>
+          <p:cNvSpPr>
+            <a:spLocks noGrp="1"/>
+          </p:cNvSpPr>
+          <p:nvPr>
+            <p:ph type="sldNum" sz="quarter" idx="3"/>
+          </p:nvPr>
+        </p:nvSpPr>
+        <p:spPr>
+          <a:xfrm>
+            <a:off x="5588628" y="6397806"/>
+            <a:ext cx="4275402" cy="337957"/>
+          </a:xfrm>
+          <a:prstGeom prst="rect">
+            <a:avLst/>
+          </a:prstGeom>
+        </p:spPr>
+        <p:txBody>
+          <a:bodyPr vert="horz" lIns="91440" tIns="45720" rIns="91440" bIns="45720" rtlCol="0" anchor="b"/>
+          <a:lstStyle>
+            <a:lvl1pPr algn="r">
+              <a:defRPr sz="1200"/>
+            </a:lvl1pPr>
+          </a:lstStyle>
+          <a:p>
+            <a:fld id="{D6D52377-2747-4ABD-AED1-2FBC51DAB696}" type="slidenum">
+              <a:rPr lang="ko-KR" altLang="en-US" smtClean="0"/>
+              <a:t>‹#›</a:t>
+            </a:fld>
+            <a:endParaRPr lang="ko-KR" altLang="en-US"/>
+          </a:p>
+        </p:txBody>
+      </p:sp>
+    </p:spTree>
+    <p:extLst>
+      <p:ext uri="{BB962C8B-B14F-4D97-AF65-F5344CB8AC3E}">
+        <p14:creationId xmlns:p14="http://schemas.microsoft.com/office/powerpoint/2010/main" val="2683474651"/>
+      </p:ext>
+    </p:extLst>
+  </p:cSld>
+  <p:clrMap bg1="lt1" tx1="dk1" bg2="lt2" tx2="dk2" accent1="accent1" accent2="accent2" accent3="accent3" accent4="accent4" accent5="accent5" accent6="accent6" hlink="hlink" folHlink="folHlink"/>
+</p:handoutMaster>
+</file>
+
 <file path=ppt/notesMasters/notesMaster1.xml><?xml version="1.0" encoding="utf-8"?>
 <p:notesMaster xmlns:a="http://schemas.openxmlformats.org/drawingml/2006/main" xmlns:r="http://schemas.openxmlformats.org/officeDocument/2006/relationships" xmlns:p="http://schemas.openxmlformats.org/presentationml/2006/main">
   <p:cSld>
@@ -176,7 +344,7 @@
         <p:spPr>
           <a:xfrm>
             <a:off x="0" y="0"/>
-            <a:ext cx="2971800" cy="457200"/>
+            <a:ext cx="4275402" cy="336788"/>
           </a:xfrm>
           <a:prstGeom prst="rect">
             <a:avLst/>
@@ -206,8 +374,8 @@
         </p:nvSpPr>
         <p:spPr>
           <a:xfrm>
-            <a:off x="3884613" y="0"/>
-            <a:ext cx="2971800" cy="457200"/>
+            <a:off x="5588628" y="0"/>
+            <a:ext cx="4275402" cy="336788"/>
           </a:xfrm>
           <a:prstGeom prst="rect">
             <a:avLst/>
@@ -223,7 +391,7 @@
           <a:p>
             <a:fld id="{A8E46B79-608B-4C82-8775-36A98907B54F}" type="datetimeFigureOut">
               <a:rPr lang="ko-KR" altLang="en-US" smtClean="0"/>
-              <a:t>2020-03-08</a:t>
+              <a:t>2020-03-19</a:t>
             </a:fld>
             <a:endParaRPr lang="ko-KR" altLang="en-US"/>
           </a:p>
@@ -241,8 +409,8 @@
         </p:nvSpPr>
         <p:spPr>
           <a:xfrm>
-            <a:off x="1143000" y="685800"/>
-            <a:ext cx="4572000" cy="3429000"/>
+            <a:off x="3249613" y="504825"/>
+            <a:ext cx="3367087" cy="2525713"/>
           </a:xfrm>
           <a:prstGeom prst="rect">
             <a:avLst/>
@@ -274,8 +442,8 @@
         </p:nvSpPr>
         <p:spPr>
           <a:xfrm>
-            <a:off x="685800" y="4343400"/>
-            <a:ext cx="5486400" cy="4114800"/>
+            <a:off x="986632" y="3199488"/>
+            <a:ext cx="7893050" cy="3031093"/>
           </a:xfrm>
           <a:prstGeom prst="rect">
             <a:avLst/>
@@ -333,8 +501,8 @@
         </p:nvSpPr>
         <p:spPr>
           <a:xfrm>
-            <a:off x="0" y="8685213"/>
-            <a:ext cx="2971800" cy="457200"/>
+            <a:off x="0" y="6397806"/>
+            <a:ext cx="4275402" cy="336788"/>
           </a:xfrm>
           <a:prstGeom prst="rect">
             <a:avLst/>
@@ -364,8 +532,8 @@
         </p:nvSpPr>
         <p:spPr>
           <a:xfrm>
-            <a:off x="3884613" y="8685213"/>
-            <a:ext cx="2971800" cy="457200"/>
+            <a:off x="5588628" y="6397806"/>
+            <a:ext cx="4275402" cy="336788"/>
           </a:xfrm>
           <a:prstGeom prst="rect">
             <a:avLst/>
@@ -519,8 +687,8 @@
         </p:nvSpPr>
         <p:spPr>
           <a:xfrm>
-            <a:off x="1143000" y="685800"/>
-            <a:ext cx="4572000" cy="3429000"/>
+            <a:off x="3249613" y="504825"/>
+            <a:ext cx="3367087" cy="2525713"/>
           </a:xfrm>
         </p:spPr>
       </p:sp>
@@ -617,8 +785,8 @@
         </p:nvSpPr>
         <p:spPr>
           <a:xfrm>
-            <a:off x="1143000" y="685800"/>
-            <a:ext cx="4572000" cy="3429000"/>
+            <a:off x="3249613" y="504825"/>
+            <a:ext cx="3367087" cy="2525713"/>
           </a:xfrm>
         </p:spPr>
       </p:sp>
@@ -865,7 +1033,7 @@
           <a:p>
             <a:fld id="{57EF9979-45DC-4CC9-A6E8-B7776719D2FA}" type="datetimeFigureOut">
               <a:rPr lang="ko-KR" altLang="en-US" smtClean="0"/>
-              <a:t>2020-03-08</a:t>
+              <a:t>2020-03-19</a:t>
             </a:fld>
             <a:endParaRPr lang="ko-KR" altLang="en-US"/>
           </a:p>
@@ -1033,7 +1201,7 @@
           <a:p>
             <a:fld id="{57EF9979-45DC-4CC9-A6E8-B7776719D2FA}" type="datetimeFigureOut">
               <a:rPr lang="ko-KR" altLang="en-US" smtClean="0"/>
-              <a:t>2020-03-08</a:t>
+              <a:t>2020-03-19</a:t>
             </a:fld>
             <a:endParaRPr lang="ko-KR" altLang="en-US"/>
           </a:p>
@@ -1211,7 +1379,7 @@
           <a:p>
             <a:fld id="{57EF9979-45DC-4CC9-A6E8-B7776719D2FA}" type="datetimeFigureOut">
               <a:rPr lang="ko-KR" altLang="en-US" smtClean="0"/>
-              <a:t>2020-03-08</a:t>
+              <a:t>2020-03-19</a:t>
             </a:fld>
             <a:endParaRPr lang="ko-KR" altLang="en-US"/>
           </a:p>
@@ -1390,7 +1558,7 @@
           <a:p>
             <a:fld id="{57EF9979-45DC-4CC9-A6E8-B7776719D2FA}" type="datetimeFigureOut">
               <a:rPr lang="ko-KR" altLang="en-US" smtClean="0"/>
-              <a:t>2020-03-08</a:t>
+              <a:t>2020-03-19</a:t>
             </a:fld>
             <a:endParaRPr lang="ko-KR" altLang="en-US"/>
           </a:p>
@@ -1635,7 +1803,7 @@
           <a:p>
             <a:fld id="{57EF9979-45DC-4CC9-A6E8-B7776719D2FA}" type="datetimeFigureOut">
               <a:rPr lang="ko-KR" altLang="en-US" smtClean="0"/>
-              <a:t>2020-03-08</a:t>
+              <a:t>2020-03-19</a:t>
             </a:fld>
             <a:endParaRPr lang="ko-KR" altLang="en-US"/>
           </a:p>
@@ -1920,7 +2088,7 @@
           <a:p>
             <a:fld id="{57EF9979-45DC-4CC9-A6E8-B7776719D2FA}" type="datetimeFigureOut">
               <a:rPr lang="ko-KR" altLang="en-US" smtClean="0"/>
-              <a:t>2020-03-08</a:t>
+              <a:t>2020-03-19</a:t>
             </a:fld>
             <a:endParaRPr lang="ko-KR" altLang="en-US"/>
           </a:p>
@@ -2339,7 +2507,7 @@
           <a:p>
             <a:fld id="{57EF9979-45DC-4CC9-A6E8-B7776719D2FA}" type="datetimeFigureOut">
               <a:rPr lang="ko-KR" altLang="en-US" smtClean="0"/>
-              <a:t>2020-03-08</a:t>
+              <a:t>2020-03-19</a:t>
             </a:fld>
             <a:endParaRPr lang="ko-KR" altLang="en-US"/>
           </a:p>
@@ -2456,7 +2624,7 @@
           <a:p>
             <a:fld id="{57EF9979-45DC-4CC9-A6E8-B7776719D2FA}" type="datetimeFigureOut">
               <a:rPr lang="ko-KR" altLang="en-US" smtClean="0"/>
-              <a:t>2020-03-08</a:t>
+              <a:t>2020-03-19</a:t>
             </a:fld>
             <a:endParaRPr lang="ko-KR" altLang="en-US"/>
           </a:p>
@@ -2551,7 +2719,7 @@
           <a:p>
             <a:fld id="{57EF9979-45DC-4CC9-A6E8-B7776719D2FA}" type="datetimeFigureOut">
               <a:rPr lang="ko-KR" altLang="en-US" smtClean="0"/>
-              <a:t>2020-03-08</a:t>
+              <a:t>2020-03-19</a:t>
             </a:fld>
             <a:endParaRPr lang="ko-KR" altLang="en-US"/>
           </a:p>
@@ -2826,7 +2994,7 @@
           <a:p>
             <a:fld id="{57EF9979-45DC-4CC9-A6E8-B7776719D2FA}" type="datetimeFigureOut">
               <a:rPr lang="ko-KR" altLang="en-US" smtClean="0"/>
-              <a:t>2020-03-08</a:t>
+              <a:t>2020-03-19</a:t>
             </a:fld>
             <a:endParaRPr lang="ko-KR" altLang="en-US"/>
           </a:p>
@@ -3078,7 +3246,7 @@
           <a:p>
             <a:fld id="{57EF9979-45DC-4CC9-A6E8-B7776719D2FA}" type="datetimeFigureOut">
               <a:rPr lang="ko-KR" altLang="en-US" smtClean="0"/>
-              <a:t>2020-03-08</a:t>
+              <a:t>2020-03-19</a:t>
             </a:fld>
             <a:endParaRPr lang="ko-KR" altLang="en-US"/>
           </a:p>
@@ -3289,7 +3457,7 @@
           <a:p>
             <a:fld id="{57EF9979-45DC-4CC9-A6E8-B7776719D2FA}" type="datetimeFigureOut">
               <a:rPr lang="ko-KR" altLang="en-US" smtClean="0"/>
-              <a:t>2020-03-08</a:t>
+              <a:t>2020-03-19</a:t>
             </a:fld>
             <a:endParaRPr lang="ko-KR" altLang="en-US"/>
           </a:p>
@@ -4171,10 +4339,6 @@
                 </a:rPr>
                 <a:t>:</a:t>
               </a:r>
-              <a:endParaRPr lang="en-US" altLang="ko-KR" sz="2000" dirty="0" smtClean="0">
-                <a:latin typeface="돋움" pitchFamily="50" charset="-127"/>
-                <a:ea typeface="돋움" pitchFamily="50" charset="-127"/>
-              </a:endParaRPr>
             </a:p>
             <a:p>
               <a:pPr lvl="1">
@@ -5281,7 +5445,7 @@
         <p:spPr>
           <a:xfrm>
             <a:off x="232494" y="5075892"/>
-            <a:ext cx="8864927" cy="1522020"/>
+            <a:ext cx="8864927" cy="1569660"/>
           </a:xfrm>
           <a:prstGeom prst="rect">
             <a:avLst/>
@@ -5518,10 +5682,16 @@
               <a:t>: </a:t>
             </a:r>
             <a:r>
+              <a:rPr kumimoji="1" lang="ko-KR" altLang="en-US" sz="1600" b="1" dirty="0" smtClean="0">
+                <a:latin typeface="+mn-ea"/>
+              </a:rPr>
+              <a:t>테스터는</a:t>
+            </a:r>
+            <a:r>
               <a:rPr kumimoji="1" lang="ko-KR" altLang="en-US" sz="1600" dirty="0" smtClean="0">
                 <a:latin typeface="+mn-ea"/>
               </a:rPr>
-              <a:t>테스터는 개발자에게 전달된 결함을 수정하였는지 확인하고 다시 테스트한다</a:t>
+              <a:t> 개발자에게 전달된 결함을 수정하였는지 확인하고 다시 테스트한다</a:t>
             </a:r>
             <a:endParaRPr kumimoji="1" lang="en-US" altLang="ko-KR" sz="1600" dirty="0" smtClean="0">
               <a:latin typeface="+mn-ea"/>
@@ -5839,11 +6009,11 @@
   <p:clrMapOvr>
     <a:masterClrMapping/>
   </p:clrMapOvr>
-  <mc:AlternateContent xmlns:mc="http://schemas.openxmlformats.org/markup-compatibility/2006">
-    <mc:Choice xmlns:p14="http://schemas.microsoft.com/office/powerpoint/2010/main" Requires="p14">
+  <mc:AlternateContent xmlns:mc="http://schemas.openxmlformats.org/markup-compatibility/2006" xmlns:p14="http://schemas.microsoft.com/office/powerpoint/2010/main">
+    <mc:Choice Requires="p14">
       <p:transition spd="slow" p14:dur="2000"/>
     </mc:Choice>
-    <mc:Fallback>
+    <mc:Fallback xmlns="">
       <p:transition spd="slow"/>
     </mc:Fallback>
   </mc:AlternateContent>
@@ -9030,7 +9200,7 @@
           <p:spPr bwMode="auto">
             <a:xfrm>
               <a:off x="1405681" y="4553285"/>
-              <a:ext cx="1904859" cy="2000525"/>
+              <a:ext cx="1904859" cy="2042276"/>
             </a:xfrm>
             <a:prstGeom prst="rect">
               <a:avLst/>
@@ -9107,6 +9277,53 @@
         <p:spPr>
           <a:xfrm>
             <a:off x="4109610" y="2557938"/>
+            <a:ext cx="543739" cy="523220"/>
+          </a:xfrm>
+          <a:prstGeom prst="rect">
+            <a:avLst/>
+          </a:prstGeom>
+        </p:spPr>
+        <p:txBody>
+          <a:bodyPr wrap="none">
+            <a:spAutoFit/>
+          </a:bodyPr>
+          <a:lstStyle/>
+          <a:p>
+            <a:pPr fontAlgn="base">
+              <a:spcBef>
+                <a:spcPct val="0"/>
+              </a:spcBef>
+              <a:spcAft>
+                <a:spcPct val="0"/>
+              </a:spcAft>
+            </a:pPr>
+            <a:r>
+              <a:rPr kumimoji="1" lang="ko-KR" altLang="en-US" sz="2800" b="1" dirty="0">
+                <a:solidFill>
+                  <a:srgbClr val="FF0000"/>
+                </a:solidFill>
+                <a:latin typeface="+mn-ea"/>
+              </a:rPr>
+              <a:t>★</a:t>
+            </a:r>
+            <a:endParaRPr kumimoji="1" lang="en-US" altLang="ko-KR" sz="2800" b="1" dirty="0">
+              <a:solidFill>
+                <a:srgbClr val="FF0000"/>
+              </a:solidFill>
+              <a:latin typeface="+mn-ea"/>
+            </a:endParaRPr>
+          </a:p>
+        </p:txBody>
+      </p:sp>
+      <p:sp>
+        <p:nvSpPr>
+          <p:cNvPr id="44" name="직사각형 43"/>
+          <p:cNvSpPr/>
+          <p:nvPr/>
+        </p:nvSpPr>
+        <p:spPr>
+          <a:xfrm>
+            <a:off x="6329327" y="2508332"/>
             <a:ext cx="543739" cy="523220"/>
           </a:xfrm>
           <a:prstGeom prst="rect">
@@ -12423,16 +12640,7 @@
                 </a:solidFill>
                 <a:latin typeface="+mn-ea"/>
               </a:rPr>
-              <a:t>1</a:t>
-            </a:r>
-            <a:r>
-              <a:rPr kumimoji="1" lang="en-US" altLang="ko-KR" sz="1400" b="1" dirty="0" smtClean="0">
-                <a:solidFill>
-                  <a:srgbClr val="0000CC"/>
-                </a:solidFill>
-                <a:latin typeface="+mn-ea"/>
-              </a:rPr>
-              <a:t>. </a:t>
+              <a:t>1. </a:t>
             </a:r>
             <a:r>
               <a:rPr kumimoji="1" lang="ko-KR" altLang="en-US" sz="1400" b="1" dirty="0" smtClean="0">
@@ -13647,13 +13855,7 @@
               <a:rPr lang="ko-KR" altLang="en-US" sz="1400" spc="-150" dirty="0" smtClean="0">
                 <a:latin typeface="+mn-ea"/>
               </a:rPr>
-              <a:t>의 테스트 방식으로 </a:t>
-            </a:r>
-            <a:r>
-              <a:rPr lang="ko-KR" altLang="en-US" sz="1400" spc="-150" dirty="0" smtClean="0">
-                <a:latin typeface="+mn-ea"/>
-              </a:rPr>
-              <a:t>진행</a:t>
+              <a:t>의 테스트 방식으로 진행</a:t>
             </a:r>
             <a:endParaRPr lang="en-US" altLang="ko-KR" sz="1400" spc="-150" dirty="0" smtClean="0">
               <a:latin typeface="+mn-ea"/>
@@ -14555,6 +14757,88 @@
           </a:p>
         </p:txBody>
       </p:sp>
+      <p:sp>
+        <p:nvSpPr>
+          <p:cNvPr id="22" name="직사각형 21"/>
+          <p:cNvSpPr/>
+          <p:nvPr/>
+        </p:nvSpPr>
+        <p:spPr>
+          <a:xfrm>
+            <a:off x="7268621" y="4988256"/>
+            <a:ext cx="543739" cy="523220"/>
+          </a:xfrm>
+          <a:prstGeom prst="rect">
+            <a:avLst/>
+          </a:prstGeom>
+        </p:spPr>
+        <p:txBody>
+          <a:bodyPr wrap="none">
+            <a:spAutoFit/>
+          </a:bodyPr>
+          <a:lstStyle/>
+          <a:p>
+            <a:pPr fontAlgn="base">
+              <a:spcBef>
+                <a:spcPct val="0"/>
+              </a:spcBef>
+              <a:spcAft>
+                <a:spcPct val="0"/>
+              </a:spcAft>
+            </a:pPr>
+            <a:r>
+              <a:rPr kumimoji="1" lang="ko-KR" altLang="en-US" sz="2800" b="1" dirty="0">
+                <a:solidFill>
+                  <a:srgbClr val="FF0000"/>
+                </a:solidFill>
+                <a:latin typeface="+mn-ea"/>
+              </a:rPr>
+              <a:t>★</a:t>
+            </a:r>
+            <a:endParaRPr kumimoji="1" lang="en-US" altLang="ko-KR" sz="2800" b="1" dirty="0">
+              <a:solidFill>
+                <a:srgbClr val="FF0000"/>
+              </a:solidFill>
+              <a:latin typeface="+mn-ea"/>
+            </a:endParaRPr>
+          </a:p>
+        </p:txBody>
+      </p:sp>
+      <p:cxnSp>
+        <p:nvCxnSpPr>
+          <p:cNvPr id="23" name="직선 연결선 22"/>
+          <p:cNvCxnSpPr/>
+          <p:nvPr/>
+        </p:nvCxnSpPr>
+        <p:spPr>
+          <a:xfrm>
+            <a:off x="2256664" y="5229200"/>
+            <a:ext cx="5011957" cy="0"/>
+          </a:xfrm>
+          <a:prstGeom prst="line">
+            <a:avLst/>
+          </a:prstGeom>
+          <a:ln w="25400">
+            <a:solidFill>
+              <a:srgbClr val="FF0000"/>
+            </a:solidFill>
+          </a:ln>
+        </p:spPr>
+        <p:style>
+          <a:lnRef idx="1">
+            <a:schemeClr val="accent1"/>
+          </a:lnRef>
+          <a:fillRef idx="0">
+            <a:schemeClr val="accent1"/>
+          </a:fillRef>
+          <a:effectRef idx="0">
+            <a:schemeClr val="accent1"/>
+          </a:effectRef>
+          <a:fontRef idx="minor">
+            <a:schemeClr val="tx1"/>
+          </a:fontRef>
+        </p:style>
+      </p:cxnSp>
     </p:spTree>
     <p:extLst>
       <p:ext uri="{BB962C8B-B14F-4D97-AF65-F5344CB8AC3E}">
@@ -15089,6 +15373,53 @@
         <p:spPr>
           <a:xfrm>
             <a:off x="1156866" y="1529790"/>
+            <a:ext cx="543739" cy="523220"/>
+          </a:xfrm>
+          <a:prstGeom prst="rect">
+            <a:avLst/>
+          </a:prstGeom>
+        </p:spPr>
+        <p:txBody>
+          <a:bodyPr wrap="none">
+            <a:spAutoFit/>
+          </a:bodyPr>
+          <a:lstStyle/>
+          <a:p>
+            <a:pPr fontAlgn="base">
+              <a:spcBef>
+                <a:spcPct val="0"/>
+              </a:spcBef>
+              <a:spcAft>
+                <a:spcPct val="0"/>
+              </a:spcAft>
+            </a:pPr>
+            <a:r>
+              <a:rPr kumimoji="1" lang="ko-KR" altLang="en-US" sz="2800" b="1" dirty="0">
+                <a:solidFill>
+                  <a:srgbClr val="FF0000"/>
+                </a:solidFill>
+                <a:latin typeface="+mn-ea"/>
+              </a:rPr>
+              <a:t>★</a:t>
+            </a:r>
+            <a:endParaRPr kumimoji="1" lang="en-US" altLang="ko-KR" sz="2800" b="1" dirty="0">
+              <a:solidFill>
+                <a:srgbClr val="FF0000"/>
+              </a:solidFill>
+              <a:latin typeface="+mn-ea"/>
+            </a:endParaRPr>
+          </a:p>
+        </p:txBody>
+      </p:sp>
+      <p:sp>
+        <p:nvSpPr>
+          <p:cNvPr id="11" name="직사각형 10"/>
+          <p:cNvSpPr/>
+          <p:nvPr/>
+        </p:nvSpPr>
+        <p:spPr>
+          <a:xfrm>
+            <a:off x="1979712" y="5301208"/>
             <a:ext cx="543739" cy="523220"/>
           </a:xfrm>
           <a:prstGeom prst="rect">
@@ -16317,4 +16648,265 @@
   <a:objectDefaults/>
   <a:extraClrSchemeLst/>
 </a:theme>
+</file>
+
+<file path=ppt/theme/theme3.xml><?xml version="1.0" encoding="utf-8"?>
+<a:theme xmlns:a="http://schemas.openxmlformats.org/drawingml/2006/main" name="Office 테마">
+  <a:themeElements>
+    <a:clrScheme name="Office">
+      <a:dk1>
+        <a:sysClr val="windowText" lastClr="000000"/>
+      </a:dk1>
+      <a:lt1>
+        <a:sysClr val="window" lastClr="FFFFFF"/>
+      </a:lt1>
+      <a:dk2>
+        <a:srgbClr val="44546A"/>
+      </a:dk2>
+      <a:lt2>
+        <a:srgbClr val="E7E6E6"/>
+      </a:lt2>
+      <a:accent1>
+        <a:srgbClr val="5B9BD5"/>
+      </a:accent1>
+      <a:accent2>
+        <a:srgbClr val="ED7D31"/>
+      </a:accent2>
+      <a:accent3>
+        <a:srgbClr val="A5A5A5"/>
+      </a:accent3>
+      <a:accent4>
+        <a:srgbClr val="FFC000"/>
+      </a:accent4>
+      <a:accent5>
+        <a:srgbClr val="4472C4"/>
+      </a:accent5>
+      <a:accent6>
+        <a:srgbClr val="70AD47"/>
+      </a:accent6>
+      <a:hlink>
+        <a:srgbClr val="0563C1"/>
+      </a:hlink>
+      <a:folHlink>
+        <a:srgbClr val="954F72"/>
+      </a:folHlink>
+    </a:clrScheme>
+    <a:fontScheme name="Office">
+      <a:majorFont>
+        <a:latin typeface="맑은 고딕"/>
+        <a:ea typeface=""/>
+        <a:cs typeface=""/>
+        <a:font script="Jpan" typeface="ＭＳ Ｐゴシック"/>
+        <a:font script="Hang" typeface="맑은 고딕"/>
+        <a:font script="Hans" typeface="宋体"/>
+        <a:font script="Hant" typeface="新細明體"/>
+        <a:font script="Arab" typeface="Times New Roman"/>
+        <a:font script="Hebr" typeface="Times New Roman"/>
+        <a:font script="Thai" typeface="Angsana New"/>
+        <a:font script="Ethi" typeface="Nyala"/>
+        <a:font script="Beng" typeface="Vrinda"/>
+        <a:font script="Gujr" typeface="Shruti"/>
+        <a:font script="Khmr" typeface="MoolBoran"/>
+        <a:font script="Knda" typeface="Tunga"/>
+        <a:font script="Guru" typeface="Raavi"/>
+        <a:font script="Cans" typeface="Euphemia"/>
+        <a:font script="Cher" typeface="Plantagenet Cherokee"/>
+        <a:font script="Yiii" typeface="Microsoft Yi Baiti"/>
+        <a:font script="Tibt" typeface="Microsoft Himalaya"/>
+        <a:font script="Thaa" typeface="MV Boli"/>
+        <a:font script="Deva" typeface="Mangal"/>
+        <a:font script="Telu" typeface="Gautami"/>
+        <a:font script="Taml" typeface="Latha"/>
+        <a:font script="Syrc" typeface="Estrangelo Edessa"/>
+        <a:font script="Orya" typeface="Kalinga"/>
+        <a:font script="Mlym" typeface="Kartika"/>
+        <a:font script="Laoo" typeface="DokChampa"/>
+        <a:font script="Sinh" typeface="Iskoola Pota"/>
+        <a:font script="Mong" typeface="Mongolian Baiti"/>
+        <a:font script="Viet" typeface="Times New Roman"/>
+        <a:font script="Uigh" typeface="Microsoft Uighur"/>
+        <a:font script="Geor" typeface="Sylfaen"/>
+      </a:majorFont>
+      <a:minorFont>
+        <a:latin typeface="맑은 고딕"/>
+        <a:ea typeface=""/>
+        <a:cs typeface=""/>
+        <a:font script="Jpan" typeface="ＭＳ Ｐゴシック"/>
+        <a:font script="Hang" typeface="맑은 고딕"/>
+        <a:font script="Hans" typeface="宋体"/>
+        <a:font script="Hant" typeface="新細明體"/>
+        <a:font script="Arab" typeface="Arial"/>
+        <a:font script="Hebr" typeface="Arial"/>
+        <a:font script="Thai" typeface="Cordia New"/>
+        <a:font script="Ethi" typeface="Nyala"/>
+        <a:font script="Beng" typeface="Vrinda"/>
+        <a:font script="Gujr" typeface="Shruti"/>
+        <a:font script="Khmr" typeface="DaunPenh"/>
+        <a:font script="Knda" typeface="Tunga"/>
+        <a:font script="Guru" typeface="Raavi"/>
+        <a:font script="Cans" typeface="Euphemia"/>
+        <a:font script="Cher" typeface="Plantagenet Cherokee"/>
+        <a:font script="Yiii" typeface="Microsoft Yi Baiti"/>
+        <a:font script="Tibt" typeface="Microsoft Himalaya"/>
+        <a:font script="Thaa" typeface="MV Boli"/>
+        <a:font script="Deva" typeface="Mangal"/>
+        <a:font script="Telu" typeface="Gautami"/>
+        <a:font script="Taml" typeface="Latha"/>
+        <a:font script="Syrc" typeface="Estrangelo Edessa"/>
+        <a:font script="Orya" typeface="Kalinga"/>
+        <a:font script="Mlym" typeface="Kartika"/>
+        <a:font script="Laoo" typeface="DokChampa"/>
+        <a:font script="Sinh" typeface="Iskoola Pota"/>
+        <a:font script="Mong" typeface="Mongolian Baiti"/>
+        <a:font script="Viet" typeface="Arial"/>
+        <a:font script="Uigh" typeface="Microsoft Uighur"/>
+        <a:font script="Geor" typeface="Sylfaen"/>
+      </a:minorFont>
+    </a:fontScheme>
+    <a:fmtScheme name="Office">
+      <a:fillStyleLst>
+        <a:solidFill>
+          <a:schemeClr val="phClr"/>
+        </a:solidFill>
+        <a:gradFill rotWithShape="1">
+          <a:gsLst>
+            <a:gs pos="0">
+              <a:schemeClr val="phClr">
+                <a:lumMod val="110000"/>
+                <a:satMod val="105000"/>
+                <a:tint val="67000"/>
+              </a:schemeClr>
+            </a:gs>
+            <a:gs pos="50000">
+              <a:schemeClr val="phClr">
+                <a:lumMod val="105000"/>
+                <a:satMod val="103000"/>
+                <a:tint val="73000"/>
+              </a:schemeClr>
+            </a:gs>
+            <a:gs pos="100000">
+              <a:schemeClr val="phClr">
+                <a:lumMod val="105000"/>
+                <a:satMod val="109000"/>
+                <a:tint val="81000"/>
+              </a:schemeClr>
+            </a:gs>
+          </a:gsLst>
+          <a:lin ang="5400000" scaled="0"/>
+        </a:gradFill>
+        <a:gradFill rotWithShape="1">
+          <a:gsLst>
+            <a:gs pos="0">
+              <a:schemeClr val="phClr">
+                <a:satMod val="103000"/>
+                <a:lumMod val="102000"/>
+                <a:tint val="94000"/>
+              </a:schemeClr>
+            </a:gs>
+            <a:gs pos="50000">
+              <a:schemeClr val="phClr">
+                <a:satMod val="110000"/>
+                <a:lumMod val="100000"/>
+                <a:shade val="100000"/>
+              </a:schemeClr>
+            </a:gs>
+            <a:gs pos="100000">
+              <a:schemeClr val="phClr">
+                <a:lumMod val="99000"/>
+                <a:satMod val="120000"/>
+                <a:shade val="78000"/>
+              </a:schemeClr>
+            </a:gs>
+          </a:gsLst>
+          <a:lin ang="5400000" scaled="0"/>
+        </a:gradFill>
+      </a:fillStyleLst>
+      <a:lnStyleLst>
+        <a:ln w="6350" cap="flat" cmpd="sng" algn="ctr">
+          <a:solidFill>
+            <a:schemeClr val="phClr"/>
+          </a:solidFill>
+          <a:prstDash val="solid"/>
+          <a:miter lim="800000"/>
+        </a:ln>
+        <a:ln w="12700" cap="flat" cmpd="sng" algn="ctr">
+          <a:solidFill>
+            <a:schemeClr val="phClr"/>
+          </a:solidFill>
+          <a:prstDash val="solid"/>
+          <a:miter lim="800000"/>
+        </a:ln>
+        <a:ln w="19050" cap="flat" cmpd="sng" algn="ctr">
+          <a:solidFill>
+            <a:schemeClr val="phClr"/>
+          </a:solidFill>
+          <a:prstDash val="solid"/>
+          <a:miter lim="800000"/>
+        </a:ln>
+      </a:lnStyleLst>
+      <a:effectStyleLst>
+        <a:effectStyle>
+          <a:effectLst/>
+        </a:effectStyle>
+        <a:effectStyle>
+          <a:effectLst/>
+        </a:effectStyle>
+        <a:effectStyle>
+          <a:effectLst>
+            <a:outerShdw blurRad="57150" dist="19050" dir="5400000" algn="ctr" rotWithShape="0">
+              <a:srgbClr val="000000">
+                <a:alpha val="63000"/>
+              </a:srgbClr>
+            </a:outerShdw>
+          </a:effectLst>
+        </a:effectStyle>
+      </a:effectStyleLst>
+      <a:bgFillStyleLst>
+        <a:solidFill>
+          <a:schemeClr val="phClr"/>
+        </a:solidFill>
+        <a:solidFill>
+          <a:schemeClr val="phClr">
+            <a:tint val="95000"/>
+            <a:satMod val="170000"/>
+          </a:schemeClr>
+        </a:solidFill>
+        <a:gradFill rotWithShape="1">
+          <a:gsLst>
+            <a:gs pos="0">
+              <a:schemeClr val="phClr">
+                <a:tint val="93000"/>
+                <a:satMod val="150000"/>
+                <a:shade val="98000"/>
+                <a:lumMod val="102000"/>
+              </a:schemeClr>
+            </a:gs>
+            <a:gs pos="50000">
+              <a:schemeClr val="phClr">
+                <a:tint val="98000"/>
+                <a:satMod val="130000"/>
+                <a:shade val="90000"/>
+                <a:lumMod val="103000"/>
+              </a:schemeClr>
+            </a:gs>
+            <a:gs pos="100000">
+              <a:schemeClr val="phClr">
+                <a:shade val="63000"/>
+                <a:satMod val="120000"/>
+              </a:schemeClr>
+            </a:gs>
+          </a:gsLst>
+          <a:lin ang="5400000" scaled="0"/>
+        </a:gradFill>
+      </a:bgFillStyleLst>
+    </a:fmtScheme>
+  </a:themeElements>
+  <a:objectDefaults/>
+  <a:extraClrSchemeLst/>
+  <a:extLst>
+    <a:ext uri="{05A4C25C-085E-4340-85A3-A5531E510DB2}">
+      <thm15:themeFamily xmlns:thm15="http://schemas.microsoft.com/office/thememl/2012/main" name="Office Theme" id="{62F939B6-93AF-4DB8-9C6B-D6C7DFDC589F}" vid="{4A3C46E8-61CC-4603-A589-7422A47A8E4A}"/>
+    </a:ext>
+  </a:extLst>
+</a:theme>
 </file>